--- a/2022.09.03.토  따라 쓰기의 기적/따라쓰기의 기적.pptx
+++ b/2022.09.03.토  따라 쓰기의 기적/따라쓰기의 기적.pptx
@@ -104,6 +104,11 @@
       </a:defRPr>
     </a:lvl9pPr>
   </p:defaultTextStyle>
+  <p:extLst>
+    <p:ext uri="{EFAFB233-063F-42B5-8137-9DF3F51BA10A}">
+      <p15:sldGuideLst xmlns:p15="http://schemas.microsoft.com/office/powerpoint/2012/main"/>
+    </p:ext>
+  </p:extLst>
 </p:presentation>
 </file>
 
@@ -2984,13 +2989,13 @@
         </p:nvSpPr>
         <p:spPr>
           <a:xfrm>
-            <a:off x="0" y="1122363"/>
-            <a:ext cx="9144000" cy="5059496"/>
+            <a:off x="0" y="0"/>
+            <a:ext cx="9144000" cy="6858000"/>
           </a:xfrm>
         </p:spPr>
         <p:txBody>
           <a:bodyPr anchor="ctr">
-            <a:normAutofit/>
+            <a:noAutofit/>
           </a:bodyPr>
           <a:lstStyle/>
           <a:p>
@@ -3000,249 +3005,249 @@
               </a:lnSpc>
             </a:pPr>
             <a:r>
-              <a:rPr lang="ko-KR" altLang="en-US" sz="1600" dirty="0">
+              <a:rPr lang="ko-KR" altLang="en-US" sz="1800" dirty="0">
                 <a:latin typeface="HY견명조" panose="02030600000101010101" pitchFamily="18" charset="-127"/>
                 <a:ea typeface="HY견명조" panose="02030600000101010101" pitchFamily="18" charset="-127"/>
               </a:rPr>
               <a:t>세계 최고의 투자가 </a:t>
             </a:r>
             <a:r>
-              <a:rPr lang="ko-KR" altLang="en-US" sz="1600" dirty="0" err="1">
+              <a:rPr lang="ko-KR" altLang="en-US" sz="1800" dirty="0" err="1">
                 <a:latin typeface="HY견명조" panose="02030600000101010101" pitchFamily="18" charset="-127"/>
                 <a:ea typeface="HY견명조" panose="02030600000101010101" pitchFamily="18" charset="-127"/>
               </a:rPr>
               <a:t>워런</a:t>
             </a:r>
             <a:r>
-              <a:rPr lang="ko-KR" altLang="en-US" sz="1600" dirty="0">
+              <a:rPr lang="ko-KR" altLang="en-US" sz="1800" dirty="0">
                 <a:latin typeface="HY견명조" panose="02030600000101010101" pitchFamily="18" charset="-127"/>
                 <a:ea typeface="HY견명조" panose="02030600000101010101" pitchFamily="18" charset="-127"/>
               </a:rPr>
               <a:t> 버핏</a:t>
             </a:r>
             <a:r>
-              <a:rPr lang="en-US" altLang="ko-KR" sz="1600" dirty="0">
+              <a:rPr lang="en-US" altLang="ko-KR" sz="1800" dirty="0">
                 <a:latin typeface="HY견명조" panose="02030600000101010101" pitchFamily="18" charset="-127"/>
                 <a:ea typeface="HY견명조" panose="02030600000101010101" pitchFamily="18" charset="-127"/>
               </a:rPr>
               <a:t>,</a:t>
             </a:r>
             <a:br>
-              <a:rPr lang="en-US" altLang="ko-KR" sz="1600" dirty="0">
+              <a:rPr lang="en-US" altLang="ko-KR" sz="1800" dirty="0">
                 <a:latin typeface="HY견명조" panose="02030600000101010101" pitchFamily="18" charset="-127"/>
                 <a:ea typeface="HY견명조" panose="02030600000101010101" pitchFamily="18" charset="-127"/>
               </a:rPr>
             </a:br>
             <a:r>
-              <a:rPr lang="ko-KR" altLang="en-US" sz="1600" dirty="0">
+              <a:rPr lang="ko-KR" altLang="en-US" sz="1800" dirty="0">
                 <a:latin typeface="HY견명조" panose="02030600000101010101" pitchFamily="18" charset="-127"/>
                 <a:ea typeface="HY견명조" panose="02030600000101010101" pitchFamily="18" charset="-127"/>
               </a:rPr>
               <a:t>그의 집무실에 있는 </a:t>
             </a:r>
             <a:r>
-              <a:rPr lang="ko-KR" altLang="en-US" sz="1600" dirty="0" err="1">
+              <a:rPr lang="ko-KR" altLang="en-US" sz="1800" dirty="0" err="1">
                 <a:latin typeface="HY견명조" panose="02030600000101010101" pitchFamily="18" charset="-127"/>
                 <a:ea typeface="HY견명조" panose="02030600000101010101" pitchFamily="18" charset="-127"/>
               </a:rPr>
               <a:t>장식이라고는</a:t>
             </a:r>
             <a:r>
-              <a:rPr lang="ko-KR" altLang="en-US" sz="1600" dirty="0">
+              <a:rPr lang="ko-KR" altLang="en-US" sz="1800" dirty="0">
                 <a:latin typeface="HY견명조" panose="02030600000101010101" pitchFamily="18" charset="-127"/>
                 <a:ea typeface="HY견명조" panose="02030600000101010101" pitchFamily="18" charset="-127"/>
               </a:rPr>
               <a:t> </a:t>
             </a:r>
             <a:r>
-              <a:rPr lang="en-US" altLang="ko-KR" sz="1600" dirty="0">
+              <a:rPr lang="en-US" altLang="ko-KR" sz="1800" dirty="0">
                 <a:latin typeface="HY견명조" panose="02030600000101010101" pitchFamily="18" charset="-127"/>
                 <a:ea typeface="HY견명조" panose="02030600000101010101" pitchFamily="18" charset="-127"/>
               </a:rPr>
               <a:t>“</a:t>
             </a:r>
             <a:r>
-              <a:rPr lang="ko-KR" altLang="en-US" sz="1600" dirty="0">
+              <a:rPr lang="ko-KR" altLang="en-US" sz="1800" dirty="0">
                 <a:latin typeface="HY견명조" panose="02030600000101010101" pitchFamily="18" charset="-127"/>
                 <a:ea typeface="HY견명조" panose="02030600000101010101" pitchFamily="18" charset="-127"/>
               </a:rPr>
               <a:t>데일 카네기 코스 수료증</a:t>
             </a:r>
             <a:r>
-              <a:rPr lang="en-US" altLang="ko-KR" sz="1600" dirty="0">
+              <a:rPr lang="en-US" altLang="ko-KR" sz="1800" dirty="0">
                 <a:latin typeface="HY견명조" panose="02030600000101010101" pitchFamily="18" charset="-127"/>
                 <a:ea typeface="HY견명조" panose="02030600000101010101" pitchFamily="18" charset="-127"/>
               </a:rPr>
               <a:t>＇</a:t>
             </a:r>
             <a:r>
-              <a:rPr lang="ko-KR" altLang="en-US" sz="1600" dirty="0">
+              <a:rPr lang="ko-KR" altLang="en-US" sz="1800" dirty="0">
                 <a:latin typeface="HY견명조" panose="02030600000101010101" pitchFamily="18" charset="-127"/>
                 <a:ea typeface="HY견명조" panose="02030600000101010101" pitchFamily="18" charset="-127"/>
               </a:rPr>
               <a:t>뿐이라고 합니다</a:t>
             </a:r>
             <a:r>
-              <a:rPr lang="en-US" altLang="ko-KR" sz="1600" dirty="0">
+              <a:rPr lang="en-US" altLang="ko-KR" sz="1800" dirty="0">
                 <a:latin typeface="HY견명조" panose="02030600000101010101" pitchFamily="18" charset="-127"/>
                 <a:ea typeface="HY견명조" panose="02030600000101010101" pitchFamily="18" charset="-127"/>
               </a:rPr>
               <a:t>.</a:t>
             </a:r>
             <a:br>
-              <a:rPr lang="en-US" altLang="ko-KR" sz="1600" dirty="0">
+              <a:rPr lang="en-US" altLang="ko-KR" sz="1800" dirty="0">
                 <a:latin typeface="HY견명조" panose="02030600000101010101" pitchFamily="18" charset="-127"/>
                 <a:ea typeface="HY견명조" panose="02030600000101010101" pitchFamily="18" charset="-127"/>
               </a:rPr>
             </a:br>
             <a:r>
-              <a:rPr lang="ko-KR" altLang="en-US" sz="1600" dirty="0" err="1">
+              <a:rPr lang="ko-KR" altLang="en-US" sz="1800" dirty="0" err="1">
                 <a:latin typeface="HY견명조" panose="02030600000101010101" pitchFamily="18" charset="-127"/>
                 <a:ea typeface="HY견명조" panose="02030600000101010101" pitchFamily="18" charset="-127"/>
               </a:rPr>
               <a:t>워런</a:t>
             </a:r>
             <a:r>
-              <a:rPr lang="ko-KR" altLang="en-US" sz="1600" dirty="0">
+              <a:rPr lang="ko-KR" altLang="en-US" sz="1800" dirty="0">
                 <a:latin typeface="HY견명조" panose="02030600000101010101" pitchFamily="18" charset="-127"/>
                 <a:ea typeface="HY견명조" panose="02030600000101010101" pitchFamily="18" charset="-127"/>
               </a:rPr>
               <a:t> 버핏이 자신의 성공에 큰 도움을 받은 증거라고 </a:t>
             </a:r>
             <a:r>
-              <a:rPr lang="ko-KR" altLang="en-US" sz="1600" dirty="0" err="1">
+              <a:rPr lang="ko-KR" altLang="en-US" sz="1800" dirty="0" err="1">
                 <a:latin typeface="HY견명조" panose="02030600000101010101" pitchFamily="18" charset="-127"/>
                 <a:ea typeface="HY견명조" panose="02030600000101010101" pitchFamily="18" charset="-127"/>
               </a:rPr>
               <a:t>한다는데요</a:t>
             </a:r>
             <a:br>
-              <a:rPr lang="en-US" altLang="ko-KR" sz="1600" dirty="0">
+              <a:rPr lang="en-US" altLang="ko-KR" sz="1800" dirty="0">
                 <a:latin typeface="HY견명조" panose="02030600000101010101" pitchFamily="18" charset="-127"/>
                 <a:ea typeface="HY견명조" panose="02030600000101010101" pitchFamily="18" charset="-127"/>
               </a:rPr>
             </a:br>
             <a:r>
-              <a:rPr lang="ko-KR" altLang="en-US" sz="1600" dirty="0">
+              <a:rPr lang="ko-KR" altLang="en-US" sz="1800" dirty="0">
                 <a:latin typeface="HY견명조" panose="02030600000101010101" pitchFamily="18" charset="-127"/>
                 <a:ea typeface="HY견명조" panose="02030600000101010101" pitchFamily="18" charset="-127"/>
               </a:rPr>
               <a:t>어느 기자가 </a:t>
             </a:r>
             <a:r>
-              <a:rPr lang="ko-KR" altLang="en-US" sz="1600" dirty="0" err="1">
+              <a:rPr lang="ko-KR" altLang="en-US" sz="1800" dirty="0" err="1">
                 <a:latin typeface="HY견명조" panose="02030600000101010101" pitchFamily="18" charset="-127"/>
                 <a:ea typeface="HY견명조" panose="02030600000101010101" pitchFamily="18" charset="-127"/>
               </a:rPr>
               <a:t>워런</a:t>
             </a:r>
             <a:r>
-              <a:rPr lang="ko-KR" altLang="en-US" sz="1600" dirty="0">
+              <a:rPr lang="ko-KR" altLang="en-US" sz="1800" dirty="0">
                 <a:latin typeface="HY견명조" panose="02030600000101010101" pitchFamily="18" charset="-127"/>
                 <a:ea typeface="HY견명조" panose="02030600000101010101" pitchFamily="18" charset="-127"/>
               </a:rPr>
               <a:t> 버핏에게 이렇게 물었다고 합니다</a:t>
             </a:r>
             <a:br>
-              <a:rPr lang="en-US" altLang="ko-KR" sz="1600" dirty="0">
+              <a:rPr lang="en-US" altLang="ko-KR" sz="1800" dirty="0">
                 <a:latin typeface="HY견명조" panose="02030600000101010101" pitchFamily="18" charset="-127"/>
                 <a:ea typeface="HY견명조" panose="02030600000101010101" pitchFamily="18" charset="-127"/>
               </a:rPr>
             </a:br>
             <a:br>
-              <a:rPr lang="en-US" altLang="ko-KR" sz="1600" dirty="0">
+              <a:rPr lang="en-US" altLang="ko-KR" sz="1800" dirty="0">
                 <a:latin typeface="HY견명조" panose="02030600000101010101" pitchFamily="18" charset="-127"/>
                 <a:ea typeface="HY견명조" panose="02030600000101010101" pitchFamily="18" charset="-127"/>
               </a:rPr>
             </a:br>
             <a:r>
-              <a:rPr lang="en-US" altLang="ko-KR" sz="1600" dirty="0">
+              <a:rPr lang="en-US" altLang="ko-KR" sz="1800" dirty="0">
                 <a:latin typeface="HY견명조" panose="02030600000101010101" pitchFamily="18" charset="-127"/>
                 <a:ea typeface="HY견명조" panose="02030600000101010101" pitchFamily="18" charset="-127"/>
               </a:rPr>
               <a:t>“</a:t>
             </a:r>
             <a:r>
-              <a:rPr lang="ko-KR" altLang="en-US" sz="1600" dirty="0">
+              <a:rPr lang="ko-KR" altLang="en-US" sz="1800" dirty="0">
                 <a:latin typeface="HY견명조" panose="02030600000101010101" pitchFamily="18" charset="-127"/>
                 <a:ea typeface="HY견명조" panose="02030600000101010101" pitchFamily="18" charset="-127"/>
               </a:rPr>
               <a:t>다 아는 내용이 무슨 도움이 </a:t>
             </a:r>
             <a:r>
-              <a:rPr lang="ko-KR" altLang="en-US" sz="1600" dirty="0" err="1">
+              <a:rPr lang="ko-KR" altLang="en-US" sz="1800" dirty="0" err="1">
                 <a:latin typeface="HY견명조" panose="02030600000101010101" pitchFamily="18" charset="-127"/>
                 <a:ea typeface="HY견명조" panose="02030600000101010101" pitchFamily="18" charset="-127"/>
               </a:rPr>
               <a:t>됐겟습니까</a:t>
             </a:r>
             <a:r>
-              <a:rPr lang="en-US" altLang="ko-KR" sz="1600" dirty="0">
+              <a:rPr lang="en-US" altLang="ko-KR" sz="1800" dirty="0">
                 <a:latin typeface="HY견명조" panose="02030600000101010101" pitchFamily="18" charset="-127"/>
                 <a:ea typeface="HY견명조" panose="02030600000101010101" pitchFamily="18" charset="-127"/>
               </a:rPr>
               <a:t>?”</a:t>
             </a:r>
             <a:br>
-              <a:rPr lang="en-US" altLang="ko-KR" sz="1600" dirty="0">
+              <a:rPr lang="en-US" altLang="ko-KR" sz="1800" dirty="0">
                 <a:latin typeface="HY견명조" panose="02030600000101010101" pitchFamily="18" charset="-127"/>
                 <a:ea typeface="HY견명조" panose="02030600000101010101" pitchFamily="18" charset="-127"/>
               </a:rPr>
             </a:br>
             <a:br>
-              <a:rPr lang="en-US" altLang="ko-KR" sz="1600" dirty="0">
+              <a:rPr lang="en-US" altLang="ko-KR" sz="1800" dirty="0">
                 <a:latin typeface="HY견명조" panose="02030600000101010101" pitchFamily="18" charset="-127"/>
                 <a:ea typeface="HY견명조" panose="02030600000101010101" pitchFamily="18" charset="-127"/>
               </a:rPr>
             </a:br>
             <a:r>
-              <a:rPr lang="ko-KR" altLang="en-US" sz="1600" dirty="0">
+              <a:rPr lang="ko-KR" altLang="en-US" sz="1800" dirty="0">
                 <a:latin typeface="HY견명조" panose="02030600000101010101" pitchFamily="18" charset="-127"/>
                 <a:ea typeface="HY견명조" panose="02030600000101010101" pitchFamily="18" charset="-127"/>
               </a:rPr>
               <a:t>버핏 회장이 이렇게 대답했답니다</a:t>
             </a:r>
             <a:br>
-              <a:rPr lang="en-US" altLang="ko-KR" sz="1600" dirty="0">
+              <a:rPr lang="en-US" altLang="ko-KR" sz="1800" dirty="0">
                 <a:latin typeface="HY견명조" panose="02030600000101010101" pitchFamily="18" charset="-127"/>
                 <a:ea typeface="HY견명조" panose="02030600000101010101" pitchFamily="18" charset="-127"/>
               </a:rPr>
             </a:br>
             <a:br>
-              <a:rPr lang="en-US" altLang="ko-KR" sz="1600" dirty="0">
+              <a:rPr lang="en-US" altLang="ko-KR" sz="1800" dirty="0">
                 <a:latin typeface="HY견명조" panose="02030600000101010101" pitchFamily="18" charset="-127"/>
                 <a:ea typeface="HY견명조" panose="02030600000101010101" pitchFamily="18" charset="-127"/>
               </a:rPr>
             </a:br>
             <a:r>
-              <a:rPr lang="en-US" altLang="ko-KR" sz="1600" dirty="0">
+              <a:rPr lang="en-US" altLang="ko-KR" sz="1800" dirty="0">
                 <a:latin typeface="HY견명조" panose="02030600000101010101" pitchFamily="18" charset="-127"/>
                 <a:ea typeface="HY견명조" panose="02030600000101010101" pitchFamily="18" charset="-127"/>
               </a:rPr>
               <a:t>“</a:t>
             </a:r>
             <a:r>
-              <a:rPr lang="ko-KR" altLang="en-US" sz="1600" dirty="0">
+              <a:rPr lang="ko-KR" altLang="en-US" sz="1800" dirty="0">
                 <a:latin typeface="HY견명조" panose="02030600000101010101" pitchFamily="18" charset="-127"/>
                 <a:ea typeface="HY견명조" panose="02030600000101010101" pitchFamily="18" charset="-127"/>
               </a:rPr>
               <a:t>다 아는 것과 다 실행하는 것은 다르지 </a:t>
             </a:r>
             <a:r>
-              <a:rPr lang="ko-KR" altLang="en-US" sz="1600" dirty="0" err="1">
+              <a:rPr lang="ko-KR" altLang="en-US" sz="1800" dirty="0" err="1">
                 <a:latin typeface="HY견명조" panose="02030600000101010101" pitchFamily="18" charset="-127"/>
                 <a:ea typeface="HY견명조" panose="02030600000101010101" pitchFamily="18" charset="-127"/>
               </a:rPr>
               <a:t>않소</a:t>
             </a:r>
             <a:r>
-              <a:rPr lang="en-US" altLang="ko-KR" sz="1600" dirty="0">
+              <a:rPr lang="en-US" altLang="ko-KR" sz="1800" dirty="0">
                 <a:latin typeface="HY견명조" panose="02030600000101010101" pitchFamily="18" charset="-127"/>
                 <a:ea typeface="HY견명조" panose="02030600000101010101" pitchFamily="18" charset="-127"/>
               </a:rPr>
               <a:t>?”</a:t>
             </a:r>
-            <a:endParaRPr lang="ko-KR" altLang="en-US" sz="1600" dirty="0">
+            <a:endParaRPr lang="ko-KR" altLang="en-US" sz="1800" dirty="0">
               <a:latin typeface="HY견명조" panose="02030600000101010101" pitchFamily="18" charset="-127"/>
               <a:ea typeface="HY견명조" panose="02030600000101010101" pitchFamily="18" charset="-127"/>
             </a:endParaRPr>
